--- a/presentation.pptx
+++ b/presentation.pptx
@@ -15,6 +15,7 @@
     <p:sldId id="263" r:id="rId9"/>
     <p:sldId id="264" r:id="rId10"/>
     <p:sldId id="265" r:id="rId11"/>
+    <p:sldId id="266" r:id="rId12"/>
   </p:sldIdLst>
   <p:sldSz cx="9144000" cy="5143500" type="screen16x9"/>
   <p:notesSz cx="6858000" cy="9144000"/>
@@ -3210,6 +3211,83 @@
       </p:grpSpPr>
       <p:sp>
         <p:nvSpPr>
+          <p:cNvPr id="2" name="Title 1"/>
+          <p:cNvSpPr>
+            <a:spLocks noGrp="1"/>
+          </p:cNvSpPr>
+          <p:nvPr>
+            <p:ph type="title"/>
+          </p:nvPr>
+        </p:nvSpPr>
+        <p:spPr/>
+        <p:txBody>
+          <a:bodyPr/>
+          <a:lstStyle/>
+          <a:p>
+            <a:pPr lvl="0" indent="0" marL="0">
+              <a:buNone/>
+            </a:pPr>
+            <a:r>
+              <a:rPr/>
+              <a:t>Further Research</a:t>
+            </a:r>
+          </a:p>
+        </p:txBody>
+      </p:sp>
+      <p:sp>
+        <p:nvSpPr>
+          <p:cNvPr id="3" name="Content Placeholder 2"/>
+          <p:cNvSpPr>
+            <a:spLocks noGrp="1"/>
+          </p:cNvSpPr>
+          <p:nvPr>
+            <p:ph idx="1"/>
+          </p:nvPr>
+        </p:nvSpPr>
+        <p:spPr/>
+        <p:txBody>
+          <a:bodyPr/>
+          <a:lstStyle/>
+          <a:p>
+            <a:pPr lvl="0"/>
+            <a:r>
+              <a:rPr/>
+              <a:t>Could include other variables in the survey, like changes in consumption behavior, to measure sensitivity/responsiveness</a:t>
+            </a:r>
+          </a:p>
+          <a:p>
+            <a:pPr lvl="0"/>
+            <a:r>
+              <a:rPr/>
+              <a:t>Could include more income levels</a:t>
+            </a:r>
+          </a:p>
+        </p:txBody>
+      </p:sp>
+    </p:spTree>
+  </p:cSld>
+</p:sld>
+</file>
+
+<file path=ppt/slides/slide11.xml><?xml version="1.0" encoding="utf-8"?>
+<p:sld xmlns:a="http://schemas.openxmlformats.org/drawingml/2006/main" xmlns:r="http://schemas.openxmlformats.org/officeDocument/2006/relationships" xmlns:p="http://schemas.openxmlformats.org/presentationml/2006/main">
+  <p:cSld>
+    <p:spTree>
+      <p:nvGrpSpPr>
+        <p:cNvPr id="1" name=""/>
+        <p:cNvGrpSpPr/>
+        <p:nvPr/>
+      </p:nvGrpSpPr>
+      <p:grpSpPr>
+        <a:xfrm>
+          <a:off x="0" y="0"/>
+          <a:ext cx="0" cy="0"/>
+          <a:chOff x="0" y="0"/>
+          <a:chExt cx="0" cy="0"/>
+        </a:xfrm>
+      </p:grpSpPr>
+      <p:sp>
+        <p:nvSpPr>
           <p:cNvPr id="3" name="Content Placeholder 2"/>
           <p:cNvSpPr>
             <a:spLocks noGrp="1"/>
@@ -3509,12 +3587,7 @@
             <p:ph type="title"/>
           </p:nvPr>
         </p:nvSpPr>
-        <p:spPr>
-          <a:xfrm>
-            <a:off x="457201" y="204787"/>
-            <a:ext cx="3008313" cy="871538"/>
-          </a:xfrm>
-        </p:spPr>
+        <p:spPr/>
         <p:txBody>
           <a:bodyPr/>
           <a:lstStyle/>
@@ -3524,66 +3597,14 @@
             </a:pPr>
             <a:r>
               <a:rPr/>
-              <a:t>Sensitivity to Change: Notice</a:t>
-            </a:r>
-          </a:p>
-        </p:txBody>
-      </p:sp>
-      <p:sp>
-        <p:nvSpPr>
-          <p:cNvPr id="4" name="Text Placeholder 3"/>
-          <p:cNvSpPr>
-            <a:spLocks noGrp="1"/>
-          </p:cNvSpPr>
-          <p:nvPr>
-            <p:ph idx="2" sz="half" type="body"/>
-          </p:nvPr>
-        </p:nvSpPr>
-        <p:spPr/>
-        <p:txBody>
-          <a:bodyPr/>
-          <a:lstStyle/>
-          <a:p>
-            <a:pPr lvl="0" indent="0" marL="0">
-              <a:buNone/>
-            </a:pPr>
-            <a:r>
-              <a:rPr/>
-              <a:t>Intercept: 0.8458627</a:t>
-            </a:r>
-          </a:p>
-          <a:p>
-            <a:pPr lvl="0" indent="0" marL="0">
-              <a:buNone/>
-            </a:pPr>
-            <a:r>
-              <a:rPr/>
-              <a:t>Effect: 0.3777932</a:t>
-            </a:r>
-          </a:p>
-          <a:p>
-            <a:pPr lvl="0" indent="0" marL="0">
-              <a:buNone/>
-            </a:pPr>
-            <a:r>
-              <a:rPr/>
-              <a:t>Adj. R-Squared: 0.2570236</a:t>
-            </a:r>
-          </a:p>
-          <a:p>
-            <a:pPr lvl="0" indent="0" marL="0">
-              <a:buNone/>
-            </a:pPr>
-            <a:r>
-              <a:rPr/>
-              <a:t>Model P-Value: 8.7276546^{-5}</a:t>
+              <a:t>The Most Stressed States</a:t>
             </a:r>
           </a:p>
         </p:txBody>
       </p:sp>
       <p:pic>
         <p:nvPicPr>
-          <p:cNvPr descr="presentation_files/figure-pptx/unnamed-chunk-3-1.png" id="0" name="Picture 1"/>
+          <p:cNvPr descr="presentation_files/figure-pptx/unnamed-chunk-2-1.png" id="0" name="Picture 1"/>
           <p:cNvPicPr>
             <a:picLocks noGrp="1" noChangeAspect="1"/>
           </p:cNvPicPr>
@@ -3597,8 +3618,8 @@
         </p:blipFill>
         <p:spPr bwMode="auto">
           <a:xfrm>
-            <a:off x="3568700" y="482600"/>
-            <a:ext cx="5105400" cy="3835400"/>
+            <a:off x="2311400" y="1193800"/>
+            <a:ext cx="4521200" cy="3390900"/>
           </a:xfrm>
           <a:prstGeom prst="rect">
             <a:avLst/>
@@ -3658,7 +3679,7 @@
             </a:pPr>
             <a:r>
               <a:rPr/>
-              <a:t>Sensitivity to Change: Stress</a:t>
+              <a:t>Sensitivity to Change: Notice</a:t>
             </a:r>
           </a:p>
         </p:txBody>
@@ -3683,7 +3704,7 @@
             </a:pPr>
             <a:r>
               <a:rPr/>
-              <a:t>Intercept: 0.3194771</a:t>
+              <a:t>Intercept: 0.8458627</a:t>
             </a:r>
           </a:p>
           <a:p>
@@ -3692,7 +3713,7 @@
             </a:pPr>
             <a:r>
               <a:rPr/>
-              <a:t>Effect: 1.1261788</a:t>
+              <a:t>Effect: 0.3777932</a:t>
             </a:r>
           </a:p>
           <a:p>
@@ -3701,7 +3722,7 @@
             </a:pPr>
             <a:r>
               <a:rPr/>
-              <a:t>Adj. R-Squared: 0.5334505</a:t>
+              <a:t>Adj. R-Squared: 0.2570236</a:t>
             </a:r>
           </a:p>
           <a:p>
@@ -3710,14 +3731,14 @@
             </a:pPr>
             <a:r>
               <a:rPr/>
-              <a:t>Model P-Value: 7.1357101^{-10}</a:t>
+              <a:t>Model P-Value: 8.7276546^{-5}</a:t>
             </a:r>
           </a:p>
         </p:txBody>
       </p:sp>
       <p:pic>
         <p:nvPicPr>
-          <p:cNvPr descr="presentation_files/figure-pptx/unnamed-chunk-5-1.png" id="0" name="Picture 1"/>
+          <p:cNvPr descr="presentation_files/figure-pptx/unnamed-chunk-4-1.png" id="0" name="Picture 1"/>
           <p:cNvPicPr>
             <a:picLocks noGrp="1" noChangeAspect="1"/>
           </p:cNvPicPr>
@@ -3777,7 +3798,12 @@
             <p:ph type="title"/>
           </p:nvPr>
         </p:nvSpPr>
-        <p:spPr/>
+        <p:spPr>
+          <a:xfrm>
+            <a:off x="457201" y="204787"/>
+            <a:ext cx="3008313" cy="871538"/>
+          </a:xfrm>
+        </p:spPr>
         <p:txBody>
           <a:bodyPr/>
           <a:lstStyle/>
@@ -3787,7 +3813,59 @@
             </a:pPr>
             <a:r>
               <a:rPr/>
-              <a:t>The Most Stressed States</a:t>
+              <a:t>Sensitivity to Change: Stress</a:t>
+            </a:r>
+          </a:p>
+        </p:txBody>
+      </p:sp>
+      <p:sp>
+        <p:nvSpPr>
+          <p:cNvPr id="4" name="Text Placeholder 3"/>
+          <p:cNvSpPr>
+            <a:spLocks noGrp="1"/>
+          </p:cNvSpPr>
+          <p:nvPr>
+            <p:ph idx="2" sz="half" type="body"/>
+          </p:nvPr>
+        </p:nvSpPr>
+        <p:spPr/>
+        <p:txBody>
+          <a:bodyPr/>
+          <a:lstStyle/>
+          <a:p>
+            <a:pPr lvl="0" indent="0" marL="0">
+              <a:buNone/>
+            </a:pPr>
+            <a:r>
+              <a:rPr/>
+              <a:t>Intercept: 0.3194771</a:t>
+            </a:r>
+          </a:p>
+          <a:p>
+            <a:pPr lvl="0" indent="0" marL="0">
+              <a:buNone/>
+            </a:pPr>
+            <a:r>
+              <a:rPr/>
+              <a:t>Effect: 1.1261788</a:t>
+            </a:r>
+          </a:p>
+          <a:p>
+            <a:pPr lvl="0" indent="0" marL="0">
+              <a:buNone/>
+            </a:pPr>
+            <a:r>
+              <a:rPr/>
+              <a:t>Adj. R-Squared: 0.5334505</a:t>
+            </a:r>
+          </a:p>
+          <a:p>
+            <a:pPr lvl="0" indent="0" marL="0">
+              <a:buNone/>
+            </a:pPr>
+            <a:r>
+              <a:rPr/>
+              <a:t>Model P-Value: 7.1357101^{-10}</a:t>
             </a:r>
           </a:p>
         </p:txBody>
@@ -3808,8 +3886,8 @@
         </p:blipFill>
         <p:spPr bwMode="auto">
           <a:xfrm>
-            <a:off x="2311400" y="1193800"/>
-            <a:ext cx="4521200" cy="3390900"/>
+            <a:off x="3568700" y="482600"/>
+            <a:ext cx="5105400" cy="3835400"/>
           </a:xfrm>
           <a:prstGeom prst="rect">
             <a:avLst/>
@@ -3864,41 +3942,41 @@
             </a:pPr>
             <a:r>
               <a:rPr/>
-              <a:t>Conclusions</a:t>
-            </a:r>
-          </a:p>
-        </p:txBody>
-      </p:sp>
-      <p:sp>
-        <p:nvSpPr>
-          <p:cNvPr id="3" name="Content Placeholder 2"/>
-          <p:cNvSpPr>
-            <a:spLocks noGrp="1"/>
-          </p:cNvSpPr>
-          <p:nvPr>
-            <p:ph idx="1"/>
-          </p:nvPr>
-        </p:nvSpPr>
-        <p:spPr/>
-        <p:txBody>
-          <a:bodyPr/>
-          <a:lstStyle/>
-          <a:p>
-            <a:pPr lvl="0"/>
-            <a:r>
-              <a:rPr/>
-              <a:t>Higher shares of low-income households in a state were associated with significantly higher rates of stress resulting from price increases</a:t>
-            </a:r>
-          </a:p>
-          <a:p>
-            <a:pPr lvl="0"/>
-            <a:r>
-              <a:rPr/>
-              <a:t>Higher shares of low-income households in a state were associated with slightly higher rates of noticing price increases, although the overall level remained high during the survey period</a:t>
-            </a:r>
-          </a:p>
-        </p:txBody>
-      </p:sp>
+              <a:t>Looking at Outliers</a:t>
+            </a:r>
+          </a:p>
+        </p:txBody>
+      </p:sp>
+      <p:pic>
+        <p:nvPicPr>
+          <p:cNvPr descr="presentation_files/figure-pptx/unnamed-chunk-7-1.png" id="0" name="Picture 1"/>
+          <p:cNvPicPr>
+            <a:picLocks noGrp="1" noChangeAspect="1"/>
+          </p:cNvPicPr>
+          <p:nvPr/>
+        </p:nvPicPr>
+        <p:blipFill>
+          <a:blip r:embed="rId2"/>
+          <a:stretch>
+            <a:fillRect/>
+          </a:stretch>
+        </p:blipFill>
+        <p:spPr bwMode="auto">
+          <a:xfrm>
+            <a:off x="2311400" y="1193800"/>
+            <a:ext cx="4521200" cy="3390900"/>
+          </a:xfrm>
+          <a:prstGeom prst="rect">
+            <a:avLst/>
+          </a:prstGeom>
+          <a:noFill/>
+          <a:ln w="9525">
+            <a:noFill/>
+            <a:headEnd/>
+            <a:tailEnd/>
+          </a:ln>
+        </p:spPr>
+      </p:pic>
     </p:spTree>
   </p:cSld>
 </p:sld>
@@ -3941,7 +4019,7 @@
             </a:pPr>
             <a:r>
               <a:rPr/>
-              <a:t>Further Research</a:t>
+              <a:t>Conclusions</a:t>
             </a:r>
           </a:p>
         </p:txBody>
@@ -3964,14 +4042,14 @@
             <a:pPr lvl="0"/>
             <a:r>
               <a:rPr/>
-              <a:t>Could include other variables in the survey, like changes in consumption behavior, to measure sensitivity/responsiveness</a:t>
+              <a:t>Higher shares of low-income households in a state were associated with significantly higher rates of stress resulting from price increases</a:t>
             </a:r>
           </a:p>
           <a:p>
             <a:pPr lvl="0"/>
             <a:r>
               <a:rPr/>
-              <a:t>Could include more income levels</a:t>
+              <a:t>Higher shares of low-income households in a state were associated with slightly higher rates of noticing price increases, although the overall level remained high during the survey period</a:t>
             </a:r>
           </a:p>
         </p:txBody>
